--- a/kcl_rdk_PromptScreens.pptx
+++ b/kcl_rdk_PromptScreens.pptx
@@ -108,6 +108,11 @@
       </a:defRPr>
     </a:lvl9pPr>
   </p:defaultTextStyle>
+  <p:extLst>
+    <p:ext uri="{EFAFB233-063F-42B5-8137-9DF3F51BA10A}">
+      <p15:sldGuideLst xmlns:p15="http://schemas.microsoft.com/office/powerpoint/2012/main"/>
+    </p:ext>
+  </p:extLst>
 </p:presentation>
 </file>
 
@@ -369,7 +374,7 @@
           <a:p>
             <a:fld id="{1443DE72-0B8D-46E4-A49E-47B8BB720FE7}" type="datetimeFigureOut">
               <a:rPr lang="en-GB" smtClean="0"/>
-              <a:t>24/01/2024</a:t>
+              <a:t>06/02/2024</a:t>
             </a:fld>
             <a:endParaRPr lang="en-GB"/>
           </a:p>
@@ -567,7 +572,7 @@
           <a:p>
             <a:fld id="{1443DE72-0B8D-46E4-A49E-47B8BB720FE7}" type="datetimeFigureOut">
               <a:rPr lang="en-GB" smtClean="0"/>
-              <a:t>24/01/2024</a:t>
+              <a:t>06/02/2024</a:t>
             </a:fld>
             <a:endParaRPr lang="en-GB"/>
           </a:p>
@@ -775,7 +780,7 @@
           <a:p>
             <a:fld id="{1443DE72-0B8D-46E4-A49E-47B8BB720FE7}" type="datetimeFigureOut">
               <a:rPr lang="en-GB" smtClean="0"/>
-              <a:t>24/01/2024</a:t>
+              <a:t>06/02/2024</a:t>
             </a:fld>
             <a:endParaRPr lang="en-GB"/>
           </a:p>
@@ -973,7 +978,7 @@
           <a:p>
             <a:fld id="{1443DE72-0B8D-46E4-A49E-47B8BB720FE7}" type="datetimeFigureOut">
               <a:rPr lang="en-GB" smtClean="0"/>
-              <a:t>24/01/2024</a:t>
+              <a:t>06/02/2024</a:t>
             </a:fld>
             <a:endParaRPr lang="en-GB"/>
           </a:p>
@@ -1248,7 +1253,7 @@
           <a:p>
             <a:fld id="{1443DE72-0B8D-46E4-A49E-47B8BB720FE7}" type="datetimeFigureOut">
               <a:rPr lang="en-GB" smtClean="0"/>
-              <a:t>24/01/2024</a:t>
+              <a:t>06/02/2024</a:t>
             </a:fld>
             <a:endParaRPr lang="en-GB"/>
           </a:p>
@@ -1513,7 +1518,7 @@
           <a:p>
             <a:fld id="{1443DE72-0B8D-46E4-A49E-47B8BB720FE7}" type="datetimeFigureOut">
               <a:rPr lang="en-GB" smtClean="0"/>
-              <a:t>24/01/2024</a:t>
+              <a:t>06/02/2024</a:t>
             </a:fld>
             <a:endParaRPr lang="en-GB"/>
           </a:p>
@@ -1925,7 +1930,7 @@
           <a:p>
             <a:fld id="{1443DE72-0B8D-46E4-A49E-47B8BB720FE7}" type="datetimeFigureOut">
               <a:rPr lang="en-GB" smtClean="0"/>
-              <a:t>24/01/2024</a:t>
+              <a:t>06/02/2024</a:t>
             </a:fld>
             <a:endParaRPr lang="en-GB"/>
           </a:p>
@@ -2066,7 +2071,7 @@
           <a:p>
             <a:fld id="{1443DE72-0B8D-46E4-A49E-47B8BB720FE7}" type="datetimeFigureOut">
               <a:rPr lang="en-GB" smtClean="0"/>
-              <a:t>24/01/2024</a:t>
+              <a:t>06/02/2024</a:t>
             </a:fld>
             <a:endParaRPr lang="en-GB"/>
           </a:p>
@@ -2179,7 +2184,7 @@
           <a:p>
             <a:fld id="{1443DE72-0B8D-46E4-A49E-47B8BB720FE7}" type="datetimeFigureOut">
               <a:rPr lang="en-GB" smtClean="0"/>
-              <a:t>24/01/2024</a:t>
+              <a:t>06/02/2024</a:t>
             </a:fld>
             <a:endParaRPr lang="en-GB"/>
           </a:p>
@@ -2490,7 +2495,7 @@
           <a:p>
             <a:fld id="{1443DE72-0B8D-46E4-A49E-47B8BB720FE7}" type="datetimeFigureOut">
               <a:rPr lang="en-GB" smtClean="0"/>
-              <a:t>24/01/2024</a:t>
+              <a:t>06/02/2024</a:t>
             </a:fld>
             <a:endParaRPr lang="en-GB"/>
           </a:p>
@@ -2778,7 +2783,7 @@
           <a:p>
             <a:fld id="{1443DE72-0B8D-46E4-A49E-47B8BB720FE7}" type="datetimeFigureOut">
               <a:rPr lang="en-GB" smtClean="0"/>
-              <a:t>24/01/2024</a:t>
+              <a:t>06/02/2024</a:t>
             </a:fld>
             <a:endParaRPr lang="en-GB"/>
           </a:p>
@@ -3019,7 +3024,7 @@
           <a:p>
             <a:fld id="{1443DE72-0B8D-46E4-A49E-47B8BB720FE7}" type="datetimeFigureOut">
               <a:rPr lang="en-GB" smtClean="0"/>
-              <a:t>24/01/2024</a:t>
+              <a:t>06/02/2024</a:t>
             </a:fld>
             <a:endParaRPr lang="en-GB"/>
           </a:p>
@@ -3730,7 +3735,7 @@
                 <a:effectLst/>
                 <a:latin typeface="Menlo"/>
               </a:rPr>
-              <a:t>you think the dots are moving to the UPPER LEFT or the LOWER LEFT - press "x”</a:t>
+              <a:t>you think the dots are moving to the UPPER LEFT or the LOWER LEFT - press “z”</a:t>
             </a:r>
             <a:br>
               <a:rPr lang="en-GB" sz="2800" b="0" i="0" dirty="0">
@@ -3814,7 +3819,7 @@
                 <a:effectLst/>
                 <a:latin typeface="Menlo"/>
               </a:rPr>
-              <a:t>Otherwise, press any key to continue...</a:t>
+              <a:t>Otherwise, press any key to continue.</a:t>
             </a:r>
             <a:endParaRPr lang="en-GB" sz="8000" b="1" dirty="0">
               <a:solidFill>
